--- a/博士班備審資料報告.pptx
+++ b/博士班備審資料報告.pptx
@@ -203,7 +203,7 @@
           <a:p>
             <a:fld id="{0B991DE1-845B-1A4A-8D4D-78AA91ABDACC}" type="datetimeFigureOut">
               <a:rPr kumimoji="1" lang="zh-TW" altLang="en-US" smtClean="0"/>
-              <a:t>2025/4/25</a:t>
+              <a:t>2025/4/29</a:t>
             </a:fld>
             <a:endParaRPr kumimoji="1" lang="zh-TW" altLang="en-US"/>
           </a:p>
@@ -2945,10 +2945,10 @@
       </p:sp>
       <p:pic>
         <p:nvPicPr>
-          <p:cNvPr id="6" name="圖片 5">
-            <a:extLst>
-              <a:ext uri="{FF2B5EF4-FFF2-40B4-BE49-F238E27FC236}">
-                <a16:creationId xmlns:a16="http://schemas.microsoft.com/office/drawing/2014/main" id="{5C46D1CE-A10B-4F66-F544-5BE32F82C69D}"/>
+          <p:cNvPr id="3" name="圖片 2">
+            <a:extLst>
+              <a:ext uri="{FF2B5EF4-FFF2-40B4-BE49-F238E27FC236}">
+                <a16:creationId xmlns:a16="http://schemas.microsoft.com/office/drawing/2014/main" id="{FC9FC837-50EA-B3C8-760E-1828B3266A03}"/>
               </a:ext>
             </a:extLst>
           </p:cNvPr>
@@ -2965,8 +2965,8 @@
         </p:blipFill>
         <p:spPr>
           <a:xfrm>
-            <a:off x="2209800" y="998843"/>
-            <a:ext cx="7772400" cy="4860313"/>
+            <a:off x="2209800" y="682322"/>
+            <a:ext cx="7772400" cy="5493356"/>
           </a:xfrm>
           <a:prstGeom prst="rect">
             <a:avLst/>
@@ -3811,10 +3811,10 @@
       </p:sp>
       <p:pic>
         <p:nvPicPr>
-          <p:cNvPr id="2" name="圖片 1">
-            <a:extLst>
-              <a:ext uri="{FF2B5EF4-FFF2-40B4-BE49-F238E27FC236}">
-                <a16:creationId xmlns:a16="http://schemas.microsoft.com/office/drawing/2014/main" id="{4ABFA1FE-1D5D-0F68-617C-5635CE39DAE3}"/>
+          <p:cNvPr id="10" name="圖片 9">
+            <a:extLst>
+              <a:ext uri="{FF2B5EF4-FFF2-40B4-BE49-F238E27FC236}">
+                <a16:creationId xmlns:a16="http://schemas.microsoft.com/office/drawing/2014/main" id="{F5424FC6-8823-2D8F-B788-EC6CF1992FC8}"/>
               </a:ext>
             </a:extLst>
           </p:cNvPr>
@@ -3831,8 +3831,8 @@
         </p:blipFill>
         <p:spPr>
           <a:xfrm>
-            <a:off x="5570160" y="1619249"/>
-            <a:ext cx="6337461" cy="4557709"/>
+            <a:off x="230092" y="2305050"/>
+            <a:ext cx="5340068" cy="3871908"/>
           </a:xfrm>
           <a:prstGeom prst="rect">
             <a:avLst/>
@@ -3841,10 +3841,10 @@
       </p:pic>
       <p:pic>
         <p:nvPicPr>
-          <p:cNvPr id="10" name="圖片 9">
-            <a:extLst>
-              <a:ext uri="{FF2B5EF4-FFF2-40B4-BE49-F238E27FC236}">
-                <a16:creationId xmlns:a16="http://schemas.microsoft.com/office/drawing/2014/main" id="{F5424FC6-8823-2D8F-B788-EC6CF1992FC8}"/>
+          <p:cNvPr id="8" name="圖片 7">
+            <a:extLst>
+              <a:ext uri="{FF2B5EF4-FFF2-40B4-BE49-F238E27FC236}">
+                <a16:creationId xmlns:a16="http://schemas.microsoft.com/office/drawing/2014/main" id="{3FC7565A-E18E-5A46-21A6-AA18166CE831}"/>
               </a:ext>
             </a:extLst>
           </p:cNvPr>
@@ -3861,8 +3861,8 @@
         </p:blipFill>
         <p:spPr>
           <a:xfrm>
-            <a:off x="230092" y="2305050"/>
-            <a:ext cx="5340068" cy="3871908"/>
+            <a:off x="5199921" y="1326776"/>
+            <a:ext cx="6821358" cy="4904806"/>
           </a:xfrm>
           <a:prstGeom prst="rect">
             <a:avLst/>

--- a/博士班備審資料報告.pptx
+++ b/博士班備審資料報告.pptx
@@ -11,7 +11,7 @@
     <p:sldId id="256" r:id="rId2"/>
     <p:sldId id="300" r:id="rId3"/>
     <p:sldId id="306" r:id="rId4"/>
-    <p:sldId id="307" r:id="rId5"/>
+    <p:sldId id="310" r:id="rId5"/>
     <p:sldId id="308" r:id="rId6"/>
     <p:sldId id="297" r:id="rId7"/>
     <p:sldId id="298" r:id="rId8"/>
@@ -203,7 +203,7 @@
           <a:p>
             <a:fld id="{0B991DE1-845B-1A4A-8D4D-78AA91ABDACC}" type="datetimeFigureOut">
               <a:rPr kumimoji="1" lang="zh-TW" altLang="en-US" smtClean="0"/>
-              <a:t>2025/4/29</a:t>
+              <a:t>2025/5/1</a:t>
             </a:fld>
             <a:endParaRPr kumimoji="1" lang="zh-TW" altLang="en-US"/>
           </a:p>
@@ -757,7 +757,7 @@
         <p:cNvPr id="1" name="">
           <a:extLst>
             <a:ext uri="{FF2B5EF4-FFF2-40B4-BE49-F238E27FC236}">
-              <a16:creationId xmlns:a16="http://schemas.microsoft.com/office/drawing/2014/main" id="{1D55A4F0-CDA8-194B-4218-1F126B5C9969}"/>
+              <a16:creationId xmlns:a16="http://schemas.microsoft.com/office/drawing/2014/main" id="{39850C08-7454-D9A9-47ED-A4CAD08D218E}"/>
             </a:ext>
           </a:extLst>
         </p:cNvPr>
@@ -777,7 +777,7 @@
           <p:cNvPr id="2" name="投影片影像版面配置區 1">
             <a:extLst>
               <a:ext uri="{FF2B5EF4-FFF2-40B4-BE49-F238E27FC236}">
-                <a16:creationId xmlns:a16="http://schemas.microsoft.com/office/drawing/2014/main" id="{1F5F1443-8917-073B-CC8C-FECA0D2CACC2}"/>
+                <a16:creationId xmlns:a16="http://schemas.microsoft.com/office/drawing/2014/main" id="{D2077203-551E-4CC4-A4C2-A9C60DB823CD}"/>
               </a:ext>
             </a:extLst>
           </p:cNvPr>
@@ -795,7 +795,7 @@
           <p:cNvPr id="3" name="備忘稿版面配置區 2">
             <a:extLst>
               <a:ext uri="{FF2B5EF4-FFF2-40B4-BE49-F238E27FC236}">
-                <a16:creationId xmlns:a16="http://schemas.microsoft.com/office/drawing/2014/main" id="{D6AD86F5-22F8-2E8B-88DA-C8C5F7D96519}"/>
+                <a16:creationId xmlns:a16="http://schemas.microsoft.com/office/drawing/2014/main" id="{5E1D2474-BF3B-CEC8-67CE-0DB6DE13FBAE}"/>
               </a:ext>
             </a:extLst>
           </p:cNvPr>
@@ -820,7 +820,7 @@
           <p:cNvPr id="4" name="投影片編號版面配置區 3">
             <a:extLst>
               <a:ext uri="{FF2B5EF4-FFF2-40B4-BE49-F238E27FC236}">
-                <a16:creationId xmlns:a16="http://schemas.microsoft.com/office/drawing/2014/main" id="{28572536-F157-39C9-B97A-D82B985BF5BC}"/>
+                <a16:creationId xmlns:a16="http://schemas.microsoft.com/office/drawing/2014/main" id="{EA255A63-EA2E-926B-4E46-E3940E7ED861}"/>
               </a:ext>
             </a:extLst>
           </p:cNvPr>
@@ -847,7 +847,7 @@
     </p:spTree>
     <p:extLst>
       <p:ext uri="{BB962C8B-B14F-4D97-AF65-F5344CB8AC3E}">
-        <p14:creationId xmlns:p14="http://schemas.microsoft.com/office/powerpoint/2010/main" val="2300600811"/>
+        <p14:creationId xmlns:p14="http://schemas.microsoft.com/office/powerpoint/2010/main" val="2316850520"/>
       </p:ext>
     </p:extLst>
   </p:cSld>
@@ -2945,10 +2945,10 @@
       </p:sp>
       <p:pic>
         <p:nvPicPr>
-          <p:cNvPr id="3" name="圖片 2">
-            <a:extLst>
-              <a:ext uri="{FF2B5EF4-FFF2-40B4-BE49-F238E27FC236}">
-                <a16:creationId xmlns:a16="http://schemas.microsoft.com/office/drawing/2014/main" id="{FC9FC837-50EA-B3C8-760E-1828B3266A03}"/>
+          <p:cNvPr id="7" name="圖片 6">
+            <a:extLst>
+              <a:ext uri="{FF2B5EF4-FFF2-40B4-BE49-F238E27FC236}">
+                <a16:creationId xmlns:a16="http://schemas.microsoft.com/office/drawing/2014/main" id="{812F620E-14EC-36BF-C21C-77DDAE557D12}"/>
               </a:ext>
             </a:extLst>
           </p:cNvPr>
@@ -2965,8 +2965,8 @@
         </p:blipFill>
         <p:spPr>
           <a:xfrm>
-            <a:off x="2209800" y="682322"/>
-            <a:ext cx="7772400" cy="5493356"/>
+            <a:off x="1541376" y="1523165"/>
+            <a:ext cx="9109248" cy="3811670"/>
           </a:xfrm>
           <a:prstGeom prst="rect">
             <a:avLst/>
@@ -3011,6 +3011,61 @@
       </p:grpSpPr>
       <p:sp>
         <p:nvSpPr>
+          <p:cNvPr id="2" name="矩形 1">
+            <a:extLst>
+              <a:ext uri="{FF2B5EF4-FFF2-40B4-BE49-F238E27FC236}">
+                <a16:creationId xmlns:a16="http://schemas.microsoft.com/office/drawing/2014/main" id="{8B1BB622-3AF1-470C-827E-9FFDDB74072F}"/>
+              </a:ext>
+            </a:extLst>
+          </p:cNvPr>
+          <p:cNvSpPr/>
+          <p:nvPr/>
+        </p:nvSpPr>
+        <p:spPr>
+          <a:xfrm>
+            <a:off x="9165205" y="0"/>
+            <a:ext cx="3026795" cy="6248400"/>
+          </a:xfrm>
+          <a:prstGeom prst="rect">
+            <a:avLst/>
+          </a:prstGeom>
+          <a:solidFill>
+            <a:schemeClr val="tx1">
+              <a:lumMod val="75000"/>
+              <a:lumOff val="25000"/>
+            </a:schemeClr>
+          </a:solidFill>
+          <a:ln>
+            <a:noFill/>
+          </a:ln>
+        </p:spPr>
+        <p:style>
+          <a:lnRef idx="2">
+            <a:schemeClr val="dk1">
+              <a:shade val="15000"/>
+            </a:schemeClr>
+          </a:lnRef>
+          <a:fillRef idx="1">
+            <a:schemeClr val="dk1"/>
+          </a:fillRef>
+          <a:effectRef idx="0">
+            <a:schemeClr val="dk1"/>
+          </a:effectRef>
+          <a:fontRef idx="minor">
+            <a:schemeClr val="lt1"/>
+          </a:fontRef>
+        </p:style>
+        <p:txBody>
+          <a:bodyPr rtlCol="0" anchor="ctr"/>
+          <a:lstStyle/>
+          <a:p>
+            <a:pPr algn="ctr"/>
+            <a:endParaRPr kumimoji="1" lang="zh-TW" altLang="en-US"/>
+          </a:p>
+        </p:txBody>
+      </p:sp>
+      <p:sp>
+        <p:nvSpPr>
           <p:cNvPr id="6" name="標題 5">
             <a:extLst>
               <a:ext uri="{FF2B5EF4-FFF2-40B4-BE49-F238E27FC236}">
@@ -3275,7 +3330,7 @@
         </p:blipFill>
         <p:spPr>
           <a:xfrm>
-            <a:off x="10144125" y="317918"/>
+            <a:off x="9809748" y="338843"/>
             <a:ext cx="1737707" cy="1737707"/>
           </a:xfrm>
           <a:custGeom>
@@ -3423,7 +3478,7 @@
         </p:nvSpPr>
         <p:spPr>
           <a:xfrm>
-            <a:off x="9165205" y="3035098"/>
+            <a:off x="9305625" y="2913110"/>
             <a:ext cx="2479251" cy="2722588"/>
           </a:xfrm>
           <a:prstGeom prst="rect">
@@ -3600,74 +3655,138 @@
           </a:lstStyle>
           <a:p>
             <a:r>
-              <a:rPr kumimoji="1" lang="zh-TW" altLang="en-US" sz="1600" dirty="0"/>
+              <a:rPr kumimoji="1" lang="zh-TW" altLang="en-US" sz="1600" dirty="0">
+                <a:solidFill>
+                  <a:schemeClr val="bg1"/>
+                </a:solidFill>
+              </a:rPr>
               <a:t>專業證照</a:t>
             </a:r>
-            <a:endParaRPr kumimoji="1" lang="en-US" altLang="zh-TW" sz="1400" dirty="0"/>
+            <a:endParaRPr kumimoji="1" lang="en-US" altLang="zh-TW" sz="1400" dirty="0">
+              <a:solidFill>
+                <a:schemeClr val="bg1"/>
+              </a:solidFill>
+            </a:endParaRPr>
           </a:p>
           <a:p>
             <a:pPr lvl="1"/>
             <a:r>
-              <a:rPr lang="zh-TW" altLang="en-US" sz="1200" dirty="0"/>
+              <a:rPr lang="zh-TW" altLang="en-US" sz="1200" dirty="0">
+                <a:solidFill>
+                  <a:schemeClr val="bg1"/>
+                </a:solidFill>
+              </a:rPr>
               <a:t>國際專案管理師</a:t>
             </a:r>
             <a:r>
-              <a:rPr lang="en-US" altLang="zh-TW" sz="1200" dirty="0"/>
+              <a:rPr lang="en-US" altLang="zh-TW" sz="1200" dirty="0">
+                <a:solidFill>
+                  <a:schemeClr val="bg1"/>
+                </a:solidFill>
+              </a:rPr>
               <a:t> PMP</a:t>
             </a:r>
           </a:p>
           <a:p>
             <a:pPr lvl="1"/>
             <a:r>
-              <a:rPr kumimoji="1" lang="zh-TW" altLang="en-US" sz="1200" dirty="0"/>
+              <a:rPr kumimoji="1" lang="zh-TW" altLang="en-US" sz="1200" dirty="0">
+                <a:solidFill>
+                  <a:schemeClr val="bg1"/>
+                </a:solidFill>
+              </a:rPr>
               <a:t>美國壽險管理師</a:t>
             </a:r>
             <a:r>
-              <a:rPr kumimoji="1" lang="en-US" altLang="zh-TW" sz="1200" dirty="0"/>
+              <a:rPr kumimoji="1" lang="en-US" altLang="zh-TW" sz="1200" dirty="0">
+                <a:solidFill>
+                  <a:schemeClr val="bg1"/>
+                </a:solidFill>
+              </a:rPr>
               <a:t> FLMI</a:t>
             </a:r>
           </a:p>
           <a:p>
             <a:r>
-              <a:rPr kumimoji="1" lang="zh-TW" altLang="en-US" sz="1400" dirty="0"/>
+              <a:rPr kumimoji="1" lang="zh-TW" altLang="en-US" sz="1400" dirty="0">
+                <a:solidFill>
+                  <a:schemeClr val="bg1"/>
+                </a:solidFill>
+              </a:rPr>
               <a:t>專長與技能</a:t>
             </a:r>
-            <a:endParaRPr kumimoji="1" lang="en-US" altLang="zh-TW" sz="1400" dirty="0"/>
+            <a:endParaRPr kumimoji="1" lang="en-US" altLang="zh-TW" sz="1400" dirty="0">
+              <a:solidFill>
+                <a:schemeClr val="bg1"/>
+              </a:solidFill>
+            </a:endParaRPr>
           </a:p>
           <a:p>
             <a:pPr lvl="1"/>
             <a:r>
-              <a:rPr kumimoji="1" lang="zh-TW" altLang="en-US" sz="1200" dirty="0"/>
+              <a:rPr kumimoji="1" lang="zh-TW" altLang="en-US" sz="1200" dirty="0">
+                <a:solidFill>
+                  <a:schemeClr val="bg1"/>
+                </a:solidFill>
+              </a:rPr>
               <a:t>商業</a:t>
             </a:r>
             <a:r>
-              <a:rPr kumimoji="1" lang="en-US" altLang="zh-TW" sz="1200" dirty="0"/>
+              <a:rPr kumimoji="1" lang="en-US" altLang="zh-TW" sz="1200" dirty="0">
+                <a:solidFill>
+                  <a:schemeClr val="bg1"/>
+                </a:solidFill>
+              </a:rPr>
               <a:t>/</a:t>
             </a:r>
             <a:r>
-              <a:rPr kumimoji="1" lang="zh-TW" altLang="en-US" sz="1200" dirty="0"/>
+              <a:rPr kumimoji="1" lang="zh-TW" altLang="en-US" sz="1200" dirty="0">
+                <a:solidFill>
+                  <a:schemeClr val="bg1"/>
+                </a:solidFill>
+              </a:rPr>
               <a:t>數據分析</a:t>
             </a:r>
-            <a:endParaRPr kumimoji="1" lang="en-US" altLang="zh-TW" sz="1200" dirty="0"/>
+            <a:endParaRPr kumimoji="1" lang="en-US" altLang="zh-TW" sz="1200" dirty="0">
+              <a:solidFill>
+                <a:schemeClr val="bg1"/>
+              </a:solidFill>
+            </a:endParaRPr>
           </a:p>
           <a:p>
             <a:pPr lvl="1"/>
             <a:r>
-              <a:rPr kumimoji="1" lang="zh-TW" altLang="en-US" sz="1200" dirty="0"/>
+              <a:rPr kumimoji="1" lang="zh-TW" altLang="en-US" sz="1200" dirty="0">
+                <a:solidFill>
+                  <a:schemeClr val="bg1"/>
+                </a:solidFill>
+              </a:rPr>
               <a:t>專案管理</a:t>
             </a:r>
-            <a:endParaRPr kumimoji="1" lang="en-US" altLang="zh-TW" sz="1200" dirty="0"/>
+            <a:endParaRPr kumimoji="1" lang="en-US" altLang="zh-TW" sz="1200" dirty="0">
+              <a:solidFill>
+                <a:schemeClr val="bg1"/>
+              </a:solidFill>
+            </a:endParaRPr>
           </a:p>
           <a:p>
             <a:pPr lvl="1"/>
             <a:r>
-              <a:rPr kumimoji="1" lang="en-US" altLang="zh-TW" sz="1200" dirty="0"/>
+              <a:rPr kumimoji="1" lang="en-US" altLang="zh-TW" sz="1200" dirty="0">
+                <a:solidFill>
+                  <a:schemeClr val="bg1"/>
+                </a:solidFill>
+              </a:rPr>
               <a:t>Python, Java, SQL</a:t>
             </a:r>
           </a:p>
           <a:p>
             <a:pPr lvl="2"/>
-            <a:endParaRPr kumimoji="1" lang="en-US" altLang="zh-TW" sz="1200" dirty="0"/>
+            <a:endParaRPr kumimoji="1" lang="en-US" altLang="zh-TW" sz="1200" dirty="0">
+              <a:solidFill>
+                <a:schemeClr val="bg1"/>
+              </a:solidFill>
+            </a:endParaRPr>
           </a:p>
         </p:txBody>
       </p:sp>
@@ -3692,7 +3811,7 @@
         <p:cNvPr id="1" name="">
           <a:extLst>
             <a:ext uri="{FF2B5EF4-FFF2-40B4-BE49-F238E27FC236}">
-              <a16:creationId xmlns:a16="http://schemas.microsoft.com/office/drawing/2014/main" id="{45D3DA2D-C7D2-5A7B-F431-5F41EB12B7D1}"/>
+              <a16:creationId xmlns:a16="http://schemas.microsoft.com/office/drawing/2014/main" id="{417EF068-2108-6AD3-B7B0-340FB11DA0BC}"/>
             </a:ext>
           </a:extLst>
         </p:cNvPr>
@@ -3707,114 +3826,12 @@
           <a:chExt cx="0" cy="0"/>
         </a:xfrm>
       </p:grpSpPr>
-      <p:sp>
-        <p:nvSpPr>
-          <p:cNvPr id="6" name="標題 5">
-            <a:extLst>
-              <a:ext uri="{FF2B5EF4-FFF2-40B4-BE49-F238E27FC236}">
-                <a16:creationId xmlns:a16="http://schemas.microsoft.com/office/drawing/2014/main" id="{2E06FF73-4A0F-418F-EADA-4C64F4848BE2}"/>
-              </a:ext>
-            </a:extLst>
-          </p:cNvPr>
-          <p:cNvSpPr>
-            <a:spLocks noGrp="1"/>
-          </p:cNvSpPr>
-          <p:nvPr>
-            <p:ph type="title"/>
-          </p:nvPr>
-        </p:nvSpPr>
-        <p:spPr/>
-        <p:txBody>
-          <a:bodyPr>
-            <a:normAutofit/>
-          </a:bodyPr>
-          <a:lstStyle/>
-          <a:p>
-            <a:pPr algn="ctr"/>
-            <a:r>
-              <a:rPr lang="zh-TW" altLang="en-US" sz="2200" dirty="0"/>
-              <a:t>多層次</a:t>
-            </a:r>
-            <a:r>
-              <a:rPr lang="en-US" altLang="zh-TW" sz="2200" dirty="0"/>
-              <a:t>ESG</a:t>
-            </a:r>
-            <a:r>
-              <a:rPr lang="zh-TW" altLang="en-US" sz="2200" dirty="0"/>
-              <a:t>整合之財務報表舞弊檢測：結合機器學習與深度學習的跨時序分析</a:t>
-            </a:r>
-          </a:p>
-        </p:txBody>
-      </p:sp>
-      <p:sp>
-        <p:nvSpPr>
-          <p:cNvPr id="4" name="日期版面配置區 3">
-            <a:extLst>
-              <a:ext uri="{FF2B5EF4-FFF2-40B4-BE49-F238E27FC236}">
-                <a16:creationId xmlns:a16="http://schemas.microsoft.com/office/drawing/2014/main" id="{065B0EC1-2DA8-2C21-8C10-A26C3B6386FA}"/>
-              </a:ext>
-            </a:extLst>
-          </p:cNvPr>
-          <p:cNvSpPr>
-            <a:spLocks noGrp="1"/>
-          </p:cNvSpPr>
-          <p:nvPr>
-            <p:ph type="dt" sz="half" idx="10"/>
-          </p:nvPr>
-        </p:nvSpPr>
-        <p:spPr/>
-        <p:txBody>
-          <a:bodyPr/>
-          <a:lstStyle/>
-          <a:p>
-            <a:r>
-              <a:rPr kumimoji="1" lang="zh-TW" altLang="en-US"/>
-              <a:t>謝志謙 </a:t>
-            </a:r>
-            <a:r>
-              <a:rPr kumimoji="1" lang="en-US" altLang="zh-TW"/>
-              <a:t>Chih-Chien Hsieh</a:t>
-            </a:r>
-            <a:endParaRPr kumimoji="1" lang="zh-TW" altLang="en-US"/>
-          </a:p>
-        </p:txBody>
-      </p:sp>
-      <p:sp>
-        <p:nvSpPr>
-          <p:cNvPr id="5" name="投影片編號版面配置區 4">
-            <a:extLst>
-              <a:ext uri="{FF2B5EF4-FFF2-40B4-BE49-F238E27FC236}">
-                <a16:creationId xmlns:a16="http://schemas.microsoft.com/office/drawing/2014/main" id="{780CF497-070C-E5B0-6FCB-3314EACF5DCF}"/>
-              </a:ext>
-            </a:extLst>
-          </p:cNvPr>
-          <p:cNvSpPr>
-            <a:spLocks noGrp="1"/>
-          </p:cNvSpPr>
-          <p:nvPr>
-            <p:ph type="sldNum" sz="quarter" idx="12"/>
-          </p:nvPr>
-        </p:nvSpPr>
-        <p:spPr/>
-        <p:txBody>
-          <a:bodyPr/>
-          <a:lstStyle/>
-          <a:p>
-            <a:fld id="{D71739D0-281B-8B45-BC4D-A4B5D1430E2F}" type="slidenum">
-              <a:rPr kumimoji="1" lang="zh-TW" altLang="en-US" smtClean="0"/>
-              <a:pPr/>
-              <a:t>3</a:t>
-            </a:fld>
-            <a:endParaRPr kumimoji="1" lang="zh-TW" altLang="en-US"/>
-          </a:p>
-        </p:txBody>
-      </p:sp>
       <p:pic>
         <p:nvPicPr>
-          <p:cNvPr id="10" name="圖片 9">
-            <a:extLst>
-              <a:ext uri="{FF2B5EF4-FFF2-40B4-BE49-F238E27FC236}">
-                <a16:creationId xmlns:a16="http://schemas.microsoft.com/office/drawing/2014/main" id="{F5424FC6-8823-2D8F-B788-EC6CF1992FC8}"/>
+          <p:cNvPr id="2" name="圖片 1">
+            <a:extLst>
+              <a:ext uri="{FF2B5EF4-FFF2-40B4-BE49-F238E27FC236}">
+                <a16:creationId xmlns:a16="http://schemas.microsoft.com/office/drawing/2014/main" id="{723BAD56-EB30-0540-A92D-94ECB3D76095}"/>
               </a:ext>
             </a:extLst>
           </p:cNvPr>
@@ -3831,20 +3848,157 @@
         </p:blipFill>
         <p:spPr>
           <a:xfrm>
-            <a:off x="230092" y="2305050"/>
-            <a:ext cx="5340068" cy="3871908"/>
+            <a:off x="0" y="1644894"/>
+            <a:ext cx="5384929" cy="4066171"/>
           </a:xfrm>
           <a:prstGeom prst="rect">
             <a:avLst/>
           </a:prstGeom>
         </p:spPr>
       </p:pic>
+      <p:sp>
+        <p:nvSpPr>
+          <p:cNvPr id="6" name="標題 5">
+            <a:extLst>
+              <a:ext uri="{FF2B5EF4-FFF2-40B4-BE49-F238E27FC236}">
+                <a16:creationId xmlns:a16="http://schemas.microsoft.com/office/drawing/2014/main" id="{BE882993-DC53-E3CE-B64F-66BB88A44DE7}"/>
+              </a:ext>
+            </a:extLst>
+          </p:cNvPr>
+          <p:cNvSpPr>
+            <a:spLocks noGrp="1"/>
+          </p:cNvSpPr>
+          <p:nvPr>
+            <p:ph type="title"/>
+          </p:nvPr>
+        </p:nvSpPr>
+        <p:spPr/>
+        <p:txBody>
+          <a:bodyPr>
+            <a:normAutofit/>
+          </a:bodyPr>
+          <a:lstStyle/>
+          <a:p>
+            <a:pPr algn="ctr"/>
+            <a:r>
+              <a:rPr lang="zh-TW" altLang="en-US" sz="2200" dirty="0"/>
+              <a:t>應用機器學習與深度學習技術對財務報表舞弊行為的檢測</a:t>
+            </a:r>
+          </a:p>
+        </p:txBody>
+      </p:sp>
+      <p:sp>
+        <p:nvSpPr>
+          <p:cNvPr id="4" name="日期版面配置區 3">
+            <a:extLst>
+              <a:ext uri="{FF2B5EF4-FFF2-40B4-BE49-F238E27FC236}">
+                <a16:creationId xmlns:a16="http://schemas.microsoft.com/office/drawing/2014/main" id="{E09BD961-4683-399F-3E95-CBB5B26E8545}"/>
+              </a:ext>
+            </a:extLst>
+          </p:cNvPr>
+          <p:cNvSpPr>
+            <a:spLocks noGrp="1"/>
+          </p:cNvSpPr>
+          <p:nvPr>
+            <p:ph type="dt" sz="half" idx="10"/>
+          </p:nvPr>
+        </p:nvSpPr>
+        <p:spPr/>
+        <p:txBody>
+          <a:bodyPr/>
+          <a:lstStyle/>
+          <a:p>
+            <a:r>
+              <a:rPr kumimoji="1" lang="zh-TW" altLang="en-US"/>
+              <a:t>謝志謙 </a:t>
+            </a:r>
+            <a:r>
+              <a:rPr kumimoji="1" lang="en-US" altLang="zh-TW"/>
+              <a:t>Chih-Chien Hsieh</a:t>
+            </a:r>
+            <a:endParaRPr kumimoji="1" lang="zh-TW" altLang="en-US"/>
+          </a:p>
+        </p:txBody>
+      </p:sp>
+      <p:sp>
+        <p:nvSpPr>
+          <p:cNvPr id="5" name="投影片編號版面配置區 4">
+            <a:extLst>
+              <a:ext uri="{FF2B5EF4-FFF2-40B4-BE49-F238E27FC236}">
+                <a16:creationId xmlns:a16="http://schemas.microsoft.com/office/drawing/2014/main" id="{43B1CD15-6206-B97C-22BD-8BCED2804962}"/>
+              </a:ext>
+            </a:extLst>
+          </p:cNvPr>
+          <p:cNvSpPr>
+            <a:spLocks noGrp="1"/>
+          </p:cNvSpPr>
+          <p:nvPr>
+            <p:ph type="sldNum" sz="quarter" idx="12"/>
+          </p:nvPr>
+        </p:nvSpPr>
+        <p:spPr/>
+        <p:txBody>
+          <a:bodyPr/>
+          <a:lstStyle/>
+          <a:p>
+            <a:fld id="{D71739D0-281B-8B45-BC4D-A4B5D1430E2F}" type="slidenum">
+              <a:rPr kumimoji="1" lang="zh-TW" altLang="en-US" smtClean="0"/>
+              <a:pPr/>
+              <a:t>3</a:t>
+            </a:fld>
+            <a:endParaRPr kumimoji="1" lang="zh-TW" altLang="en-US"/>
+          </a:p>
+        </p:txBody>
+      </p:sp>
+      <p:cxnSp>
+        <p:nvCxnSpPr>
+          <p:cNvPr id="12" name="直線接點 11">
+            <a:extLst>
+              <a:ext uri="{FF2B5EF4-FFF2-40B4-BE49-F238E27FC236}">
+                <a16:creationId xmlns:a16="http://schemas.microsoft.com/office/drawing/2014/main" id="{B5E49B5B-AF7D-AE1A-EC49-5AD327A638ED}"/>
+              </a:ext>
+            </a:extLst>
+          </p:cNvPr>
+          <p:cNvCxnSpPr/>
+          <p:nvPr/>
+        </p:nvCxnSpPr>
+        <p:spPr>
+          <a:xfrm>
+            <a:off x="5384930" y="1964695"/>
+            <a:ext cx="0" cy="3505200"/>
+          </a:xfrm>
+          <a:prstGeom prst="line">
+            <a:avLst/>
+          </a:prstGeom>
+          <a:ln>
+            <a:solidFill>
+              <a:schemeClr val="bg1">
+                <a:lumMod val="75000"/>
+              </a:schemeClr>
+            </a:solidFill>
+          </a:ln>
+        </p:spPr>
+        <p:style>
+          <a:lnRef idx="1">
+            <a:schemeClr val="accent1"/>
+          </a:lnRef>
+          <a:fillRef idx="0">
+            <a:schemeClr val="accent1"/>
+          </a:fillRef>
+          <a:effectRef idx="0">
+            <a:schemeClr val="accent1"/>
+          </a:effectRef>
+          <a:fontRef idx="minor">
+            <a:schemeClr val="tx1"/>
+          </a:fontRef>
+        </p:style>
+      </p:cxnSp>
       <p:pic>
         <p:nvPicPr>
-          <p:cNvPr id="8" name="圖片 7">
-            <a:extLst>
-              <a:ext uri="{FF2B5EF4-FFF2-40B4-BE49-F238E27FC236}">
-                <a16:creationId xmlns:a16="http://schemas.microsoft.com/office/drawing/2014/main" id="{3FC7565A-E18E-5A46-21A6-AA18166CE831}"/>
+          <p:cNvPr id="3" name="圖片 2">
+            <a:extLst>
+              <a:ext uri="{FF2B5EF4-FFF2-40B4-BE49-F238E27FC236}">
+                <a16:creationId xmlns:a16="http://schemas.microsoft.com/office/drawing/2014/main" id="{F0C4AAC5-4A20-E611-BFFC-DE4474B018FF}"/>
               </a:ext>
             </a:extLst>
           </p:cNvPr>
@@ -3861,8 +4015,68 @@
         </p:blipFill>
         <p:spPr>
           <a:xfrm>
-            <a:off x="5199921" y="1326776"/>
-            <a:ext cx="6821358" cy="4904806"/>
+            <a:off x="2927096" y="1847850"/>
+            <a:ext cx="654304" cy="584200"/>
+          </a:xfrm>
+          <a:prstGeom prst="rect">
+            <a:avLst/>
+          </a:prstGeom>
+        </p:spPr>
+      </p:pic>
+      <p:pic>
+        <p:nvPicPr>
+          <p:cNvPr id="8" name="圖片 7">
+            <a:extLst>
+              <a:ext uri="{FF2B5EF4-FFF2-40B4-BE49-F238E27FC236}">
+                <a16:creationId xmlns:a16="http://schemas.microsoft.com/office/drawing/2014/main" id="{0687E492-A1F9-AF43-6A95-E4C57BA8EC82}"/>
+              </a:ext>
+            </a:extLst>
+          </p:cNvPr>
+          <p:cNvPicPr>
+            <a:picLocks noChangeAspect="1"/>
+          </p:cNvPicPr>
+          <p:nvPr/>
+        </p:nvPicPr>
+        <p:blipFill>
+          <a:blip r:embed="rId5"/>
+          <a:stretch>
+            <a:fillRect/>
+          </a:stretch>
+        </p:blipFill>
+        <p:spPr>
+          <a:xfrm>
+            <a:off x="1304924" y="5114925"/>
+            <a:ext cx="2536739" cy="354970"/>
+          </a:xfrm>
+          <a:prstGeom prst="rect">
+            <a:avLst/>
+          </a:prstGeom>
+        </p:spPr>
+      </p:pic>
+      <p:pic>
+        <p:nvPicPr>
+          <p:cNvPr id="9" name="圖片 8">
+            <a:extLst>
+              <a:ext uri="{FF2B5EF4-FFF2-40B4-BE49-F238E27FC236}">
+                <a16:creationId xmlns:a16="http://schemas.microsoft.com/office/drawing/2014/main" id="{15B3ADFC-15D2-4AEB-7D65-459AD6C74564}"/>
+              </a:ext>
+            </a:extLst>
+          </p:cNvPr>
+          <p:cNvPicPr>
+            <a:picLocks noChangeAspect="1"/>
+          </p:cNvPicPr>
+          <p:nvPr/>
+        </p:nvPicPr>
+        <p:blipFill>
+          <a:blip r:embed="rId6"/>
+          <a:stretch>
+            <a:fillRect/>
+          </a:stretch>
+        </p:blipFill>
+        <p:spPr>
+          <a:xfrm>
+            <a:off x="5514684" y="1337070"/>
+            <a:ext cx="6544074" cy="4681817"/>
           </a:xfrm>
           <a:prstGeom prst="rect">
             <a:avLst/>
@@ -3872,7 +4086,7 @@
     </p:spTree>
     <p:extLst>
       <p:ext uri="{BB962C8B-B14F-4D97-AF65-F5344CB8AC3E}">
-        <p14:creationId xmlns:p14="http://schemas.microsoft.com/office/powerpoint/2010/main" val="2596357371"/>
+        <p14:creationId xmlns:p14="http://schemas.microsoft.com/office/powerpoint/2010/main" val="2740670998"/>
       </p:ext>
     </p:extLst>
   </p:cSld>
@@ -4004,180 +4218,20 @@
       </p:sp>
       <p:sp>
         <p:nvSpPr>
-          <p:cNvPr id="8" name="內容版面配置區 7">
-            <a:extLst>
-              <a:ext uri="{FF2B5EF4-FFF2-40B4-BE49-F238E27FC236}">
-                <a16:creationId xmlns:a16="http://schemas.microsoft.com/office/drawing/2014/main" id="{407C07C5-4B10-602B-E4F9-BC4961423CCF}"/>
-              </a:ext>
-            </a:extLst>
-          </p:cNvPr>
-          <p:cNvSpPr>
-            <a:spLocks noGrp="1"/>
-          </p:cNvSpPr>
-          <p:nvPr>
-            <p:ph idx="13"/>
-          </p:nvPr>
+          <p:cNvPr id="10" name="文字方塊 9">
+            <a:extLst>
+              <a:ext uri="{FF2B5EF4-FFF2-40B4-BE49-F238E27FC236}">
+                <a16:creationId xmlns:a16="http://schemas.microsoft.com/office/drawing/2014/main" id="{49D46E36-91A3-5AD7-6589-4F8D91F08692}"/>
+              </a:ext>
+            </a:extLst>
+          </p:cNvPr>
+          <p:cNvSpPr txBox="1"/>
+          <p:nvPr/>
         </p:nvSpPr>
         <p:spPr>
           <a:xfrm>
-            <a:off x="8262937" y="1326774"/>
-            <a:ext cx="3643313" cy="2702301"/>
-          </a:xfrm>
-        </p:spPr>
-        <p:txBody>
-          <a:bodyPr>
-            <a:normAutofit/>
-          </a:bodyPr>
-          <a:lstStyle/>
-          <a:p>
-            <a:r>
-              <a:rPr lang="zh-TW" altLang="en-US" sz="1400" dirty="0"/>
-              <a:t>研究經驗</a:t>
-            </a:r>
-            <a:endParaRPr lang="en-US" altLang="zh-TW" sz="1400" dirty="0"/>
-          </a:p>
-          <a:p>
-            <a:pPr lvl="1"/>
-            <a:r>
-              <a:rPr lang="zh-TW" altLang="en-US" sz="1300" dirty="0">
-                <a:solidFill>
-                  <a:srgbClr val="000000"/>
-                </a:solidFill>
-              </a:rPr>
-              <a:t>碩</a:t>
-            </a:r>
-            <a:r>
-              <a:rPr lang="zh-TW" altLang="en-US" sz="1300" i="0" u="none" strike="noStrike" dirty="0">
-                <a:solidFill>
-                  <a:srgbClr val="000000"/>
-                </a:solidFill>
-                <a:effectLst/>
-              </a:rPr>
-              <a:t>士研究 </a:t>
-            </a:r>
-            <a:r>
-              <a:rPr lang="en-US" altLang="zh-TW" sz="1300" i="0" u="none" strike="noStrike" dirty="0">
-                <a:solidFill>
-                  <a:srgbClr val="000000"/>
-                </a:solidFill>
-                <a:effectLst/>
-              </a:rPr>
-              <a:t>(</a:t>
-            </a:r>
-            <a:r>
-              <a:rPr lang="zh-TW" altLang="en-US" sz="1300" i="0" u="none" strike="noStrike" dirty="0">
-                <a:solidFill>
-                  <a:srgbClr val="000000"/>
-                </a:solidFill>
-                <a:effectLst/>
-              </a:rPr>
-              <a:t>企業的財務風險和避稅行為</a:t>
-            </a:r>
-            <a:r>
-              <a:rPr lang="en-US" altLang="zh-TW" sz="1300" i="0" u="none" strike="noStrike" dirty="0">
-                <a:solidFill>
-                  <a:srgbClr val="000000"/>
-                </a:solidFill>
-                <a:effectLst/>
-              </a:rPr>
-              <a:t>)</a:t>
-            </a:r>
-          </a:p>
-          <a:p>
-            <a:pPr lvl="1"/>
-            <a:r>
-              <a:rPr lang="zh-TW" altLang="en-US" sz="1300" b="0" i="0" u="none" strike="noStrike" dirty="0">
-                <a:solidFill>
-                  <a:srgbClr val="000000"/>
-                </a:solidFill>
-                <a:effectLst/>
-              </a:rPr>
-              <a:t>分析方法：</a:t>
-            </a:r>
-            <a:r>
-              <a:rPr kumimoji="1" lang="zh-TW" altLang="en-US" sz="1300" dirty="0"/>
-              <a:t>透過回歸分析分析美國企業的財務風險與避稅行為的關聯性</a:t>
-            </a:r>
-          </a:p>
-          <a:p>
-            <a:pPr lvl="1"/>
-            <a:r>
-              <a:rPr lang="zh-TW" altLang="en-US" sz="1300" b="0" i="0" u="none" strike="noStrike" dirty="0">
-                <a:solidFill>
-                  <a:srgbClr val="000000"/>
-                </a:solidFill>
-                <a:effectLst/>
-              </a:rPr>
-              <a:t>發表：</a:t>
-            </a:r>
-            <a:r>
-              <a:rPr lang="en-US" altLang="zh-TW" sz="1300" b="0" i="0" u="none" strike="noStrike" dirty="0">
-                <a:solidFill>
-                  <a:srgbClr val="000000"/>
-                </a:solidFill>
-                <a:effectLst/>
-              </a:rPr>
-              <a:t>2018 </a:t>
-            </a:r>
-            <a:r>
-              <a:rPr lang="zh-TW" altLang="en-US" sz="1300" b="0" i="0" u="none" strike="noStrike" dirty="0">
-                <a:solidFill>
-                  <a:srgbClr val="000000"/>
-                </a:solidFill>
-                <a:effectLst/>
-              </a:rPr>
-              <a:t>兩場國內財務與會計研議會</a:t>
-            </a:r>
-            <a:endParaRPr lang="en-US" altLang="zh-TW" sz="1300" dirty="0"/>
-          </a:p>
-        </p:txBody>
-      </p:sp>
-      <p:pic>
-        <p:nvPicPr>
-          <p:cNvPr id="3" name="圖片 2">
-            <a:extLst>
-              <a:ext uri="{FF2B5EF4-FFF2-40B4-BE49-F238E27FC236}">
-                <a16:creationId xmlns:a16="http://schemas.microsoft.com/office/drawing/2014/main" id="{99244FFD-BDB0-5972-456E-793AB0E116CE}"/>
-              </a:ext>
-            </a:extLst>
-          </p:cNvPr>
-          <p:cNvPicPr>
-            <a:picLocks noChangeAspect="1"/>
-          </p:cNvPicPr>
-          <p:nvPr/>
-        </p:nvPicPr>
-        <p:blipFill>
-          <a:blip r:embed="rId3"/>
-          <a:stretch>
-            <a:fillRect/>
-          </a:stretch>
-        </p:blipFill>
-        <p:spPr>
-          <a:xfrm>
-            <a:off x="771525" y="1326775"/>
-            <a:ext cx="7324725" cy="3907055"/>
-          </a:xfrm>
-          <a:prstGeom prst="rect">
-            <a:avLst/>
-          </a:prstGeom>
-        </p:spPr>
-      </p:pic>
-      <p:sp>
-        <p:nvSpPr>
-          <p:cNvPr id="10" name="文字方塊 9">
-            <a:extLst>
-              <a:ext uri="{FF2B5EF4-FFF2-40B4-BE49-F238E27FC236}">
-                <a16:creationId xmlns:a16="http://schemas.microsoft.com/office/drawing/2014/main" id="{49D46E36-91A3-5AD7-6589-4F8D91F08692}"/>
-              </a:ext>
-            </a:extLst>
-          </p:cNvPr>
-          <p:cNvSpPr txBox="1"/>
-          <p:nvPr/>
-        </p:nvSpPr>
-        <p:spPr>
-          <a:xfrm>
-            <a:off x="2582465" y="5531225"/>
-            <a:ext cx="7799785" cy="523220"/>
+            <a:off x="1724026" y="5619113"/>
+            <a:ext cx="8743947" cy="307777"/>
           </a:xfrm>
           <a:prstGeom prst="rect">
             <a:avLst/>
@@ -4195,20 +4249,7 @@
                 <a:latin typeface="Microsoft JhengHei" panose="020B0604030504040204" pitchFamily="34" charset="-120"/>
                 <a:ea typeface="Microsoft JhengHei" panose="020B0604030504040204" pitchFamily="34" charset="-120"/>
               </a:rPr>
-              <a:t>綜合既有研究經驗與實務資料處理能力，我已具備基礎的資料建模與問題分析能力，</a:t>
-            </a:r>
-            <a:endParaRPr lang="en-US" altLang="zh-TW" sz="1400" dirty="0">
-              <a:latin typeface="Microsoft JhengHei" panose="020B0604030504040204" pitchFamily="34" charset="-120"/>
-              <a:ea typeface="Microsoft JhengHei" panose="020B0604030504040204" pitchFamily="34" charset="-120"/>
-            </a:endParaRPr>
-          </a:p>
-          <a:p>
-            <a:r>
-              <a:rPr lang="zh-TW" altLang="en-US" sz="1400" dirty="0">
-                <a:latin typeface="Microsoft JhengHei" panose="020B0604030504040204" pitchFamily="34" charset="-120"/>
-                <a:ea typeface="Microsoft JhengHei" panose="020B0604030504040204" pitchFamily="34" charset="-120"/>
-              </a:rPr>
-              <a:t>亦正持續補足理論與方法論的知識結構，預期能快速投入博士階段之跨領域資料科學研究。 </a:t>
+              <a:t>綜上所述，我具備基礎的建模與問題分析能力，亦正持續補足理論的知識結構，預期能快速投入博士的研究。 </a:t>
             </a:r>
           </a:p>
         </p:txBody>
@@ -4267,6 +4308,109 @@
           </a:p>
         </p:txBody>
       </p:sp>
+      <p:cxnSp>
+        <p:nvCxnSpPr>
+          <p:cNvPr id="2" name="直線接點 1">
+            <a:extLst>
+              <a:ext uri="{FF2B5EF4-FFF2-40B4-BE49-F238E27FC236}">
+                <a16:creationId xmlns:a16="http://schemas.microsoft.com/office/drawing/2014/main" id="{4CD1113E-9B1F-4392-E932-27A21FEDCA36}"/>
+              </a:ext>
+            </a:extLst>
+          </p:cNvPr>
+          <p:cNvCxnSpPr/>
+          <p:nvPr/>
+        </p:nvCxnSpPr>
+        <p:spPr>
+          <a:xfrm>
+            <a:off x="7615237" y="1622013"/>
+            <a:ext cx="0" cy="3505200"/>
+          </a:xfrm>
+          <a:prstGeom prst="line">
+            <a:avLst/>
+          </a:prstGeom>
+          <a:ln>
+            <a:solidFill>
+              <a:schemeClr val="bg1">
+                <a:lumMod val="75000"/>
+              </a:schemeClr>
+            </a:solidFill>
+          </a:ln>
+        </p:spPr>
+        <p:style>
+          <a:lnRef idx="1">
+            <a:schemeClr val="accent1"/>
+          </a:lnRef>
+          <a:fillRef idx="0">
+            <a:schemeClr val="accent1"/>
+          </a:fillRef>
+          <a:effectRef idx="0">
+            <a:schemeClr val="accent1"/>
+          </a:effectRef>
+          <a:fontRef idx="minor">
+            <a:schemeClr val="tx1"/>
+          </a:fontRef>
+        </p:style>
+      </p:cxnSp>
+      <p:pic>
+        <p:nvPicPr>
+          <p:cNvPr id="13" name="圖片 12">
+            <a:extLst>
+              <a:ext uri="{FF2B5EF4-FFF2-40B4-BE49-F238E27FC236}">
+                <a16:creationId xmlns:a16="http://schemas.microsoft.com/office/drawing/2014/main" id="{494C3634-5D2F-BBAC-3C4A-4118CCCCEE33}"/>
+              </a:ext>
+            </a:extLst>
+          </p:cNvPr>
+          <p:cNvPicPr>
+            <a:picLocks noChangeAspect="1"/>
+          </p:cNvPicPr>
+          <p:nvPr/>
+        </p:nvPicPr>
+        <p:blipFill>
+          <a:blip r:embed="rId3"/>
+          <a:stretch>
+            <a:fillRect/>
+          </a:stretch>
+        </p:blipFill>
+        <p:spPr>
+          <a:xfrm>
+            <a:off x="7944898" y="1818676"/>
+            <a:ext cx="3085048" cy="3111874"/>
+          </a:xfrm>
+          <a:prstGeom prst="rect">
+            <a:avLst/>
+          </a:prstGeom>
+        </p:spPr>
+      </p:pic>
+      <p:pic>
+        <p:nvPicPr>
+          <p:cNvPr id="14" name="圖片 13">
+            <a:extLst>
+              <a:ext uri="{FF2B5EF4-FFF2-40B4-BE49-F238E27FC236}">
+                <a16:creationId xmlns:a16="http://schemas.microsoft.com/office/drawing/2014/main" id="{9D6A40B9-8363-1559-EC14-C99B8C73CC94}"/>
+              </a:ext>
+            </a:extLst>
+          </p:cNvPr>
+          <p:cNvPicPr>
+            <a:picLocks noChangeAspect="1"/>
+          </p:cNvPicPr>
+          <p:nvPr/>
+        </p:nvPicPr>
+        <p:blipFill>
+          <a:blip r:embed="rId4"/>
+          <a:stretch>
+            <a:fillRect/>
+          </a:stretch>
+        </p:blipFill>
+        <p:spPr>
+          <a:xfrm>
+            <a:off x="560628" y="1326776"/>
+            <a:ext cx="6691137" cy="4095675"/>
+          </a:xfrm>
+          <a:prstGeom prst="rect">
+            <a:avLst/>
+          </a:prstGeom>
+        </p:spPr>
+      </p:pic>
     </p:spTree>
     <p:extLst>
       <p:ext uri="{BB962C8B-B14F-4D97-AF65-F5344CB8AC3E}">
@@ -4394,12 +4538,50 @@
           </a:p>
         </p:txBody>
       </p:sp>
+      <p:sp>
+        <p:nvSpPr>
+          <p:cNvPr id="6" name="文字方塊 5">
+            <a:extLst>
+              <a:ext uri="{FF2B5EF4-FFF2-40B4-BE49-F238E27FC236}">
+                <a16:creationId xmlns:a16="http://schemas.microsoft.com/office/drawing/2014/main" id="{20F83C5C-F52A-93E5-172F-510E525946DB}"/>
+              </a:ext>
+            </a:extLst>
+          </p:cNvPr>
+          <p:cNvSpPr txBox="1"/>
+          <p:nvPr/>
+        </p:nvSpPr>
+        <p:spPr>
+          <a:xfrm>
+            <a:off x="2543770" y="5790222"/>
+            <a:ext cx="7104460" cy="307777"/>
+          </a:xfrm>
+          <a:prstGeom prst="rect">
+            <a:avLst/>
+          </a:prstGeom>
+          <a:noFill/>
+        </p:spPr>
+        <p:txBody>
+          <a:bodyPr wrap="square">
+            <a:spAutoFit/>
+          </a:bodyPr>
+          <a:lstStyle/>
+          <a:p>
+            <a:r>
+              <a:rPr lang="zh-TW" altLang="en-US" sz="1400" dirty="0">
+                <a:latin typeface="Microsoft JhengHei" panose="020B0604030504040204" pitchFamily="34" charset="-120"/>
+                <a:ea typeface="Microsoft JhengHei" panose="020B0604030504040204" pitchFamily="34" charset="-120"/>
+              </a:rPr>
+              <a:t>目標不僅為取得學位，更能透過博士訓練與產業實務連結，成為兩者兼具的資料科學家。 </a:t>
+            </a:r>
+          </a:p>
+        </p:txBody>
+      </p:sp>
       <p:pic>
         <p:nvPicPr>
-          <p:cNvPr id="7" name="圖片 6">
-            <a:extLst>
-              <a:ext uri="{FF2B5EF4-FFF2-40B4-BE49-F238E27FC236}">
-                <a16:creationId xmlns:a16="http://schemas.microsoft.com/office/drawing/2014/main" id="{4EDA4485-89ED-793D-5033-89540A4527F3}"/>
+          <p:cNvPr id="3" name="圖片 2">
+            <a:extLst>
+              <a:ext uri="{FF2B5EF4-FFF2-40B4-BE49-F238E27FC236}">
+                <a16:creationId xmlns:a16="http://schemas.microsoft.com/office/drawing/2014/main" id="{2C4C47DD-14AF-4028-9DE2-BC66328E180A}"/>
               </a:ext>
             </a:extLst>
           </p:cNvPr>
@@ -4416,52 +4598,14 @@
         </p:blipFill>
         <p:spPr>
           <a:xfrm>
-            <a:off x="3111723" y="136525"/>
-            <a:ext cx="6565677" cy="5519738"/>
+            <a:off x="2209800" y="231167"/>
+            <a:ext cx="7772400" cy="5425096"/>
           </a:xfrm>
           <a:prstGeom prst="rect">
             <a:avLst/>
           </a:prstGeom>
         </p:spPr>
       </p:pic>
-      <p:sp>
-        <p:nvSpPr>
-          <p:cNvPr id="6" name="文字方塊 5">
-            <a:extLst>
-              <a:ext uri="{FF2B5EF4-FFF2-40B4-BE49-F238E27FC236}">
-                <a16:creationId xmlns:a16="http://schemas.microsoft.com/office/drawing/2014/main" id="{20F83C5C-F52A-93E5-172F-510E525946DB}"/>
-              </a:ext>
-            </a:extLst>
-          </p:cNvPr>
-          <p:cNvSpPr txBox="1"/>
-          <p:nvPr/>
-        </p:nvSpPr>
-        <p:spPr>
-          <a:xfrm>
-            <a:off x="2591990" y="5852418"/>
-            <a:ext cx="7799785" cy="307777"/>
-          </a:xfrm>
-          <a:prstGeom prst="rect">
-            <a:avLst/>
-          </a:prstGeom>
-          <a:noFill/>
-        </p:spPr>
-        <p:txBody>
-          <a:bodyPr wrap="square">
-            <a:spAutoFit/>
-          </a:bodyPr>
-          <a:lstStyle/>
-          <a:p>
-            <a:r>
-              <a:rPr lang="zh-TW" altLang="en-US" sz="1400" dirty="0">
-                <a:latin typeface="Microsoft JhengHei" panose="020B0604030504040204" pitchFamily="34" charset="-120"/>
-                <a:ea typeface="Microsoft JhengHei" panose="020B0604030504040204" pitchFamily="34" charset="-120"/>
-              </a:rPr>
-              <a:t>目標不僅為取得學位，更期望藉由博士訓練與產業實務連結，成為兩者兼具的資料科學家。 </a:t>
-            </a:r>
-          </a:p>
-        </p:txBody>
-      </p:sp>
     </p:spTree>
     <p:extLst>
       <p:ext uri="{BB962C8B-B14F-4D97-AF65-F5344CB8AC3E}">
